--- a/Slides/PythonArcadeStep2AddSprites.pptx
+++ b/Slides/PythonArcadeStep2AddSprites.pptx
@@ -251,7 +251,7 @@
           <a:p>
             <a:fld id="{095922B8-2402-4D07-8CC1-A7973D5DEA1D}" type="datetimeFigureOut">
               <a:rPr lang="en-US" smtClean="0"/>
-              <a:t>08-Apr-21</a:t>
+              <a:t>10-Apr-21</a:t>
             </a:fld>
             <a:endParaRPr lang="en-US"/>
           </a:p>
@@ -1739,7 +1739,7 @@
           <a:p>
             <a:fld id="{E2BFE950-A675-4D2F-BC24-F20C16678C63}" type="datetimeFigureOut">
               <a:rPr lang="en-US" smtClean="0"/>
-              <a:t>08-Apr-21</a:t>
+              <a:t>10-Apr-21</a:t>
             </a:fld>
             <a:endParaRPr lang="en-US"/>
           </a:p>
@@ -2042,7 +2042,7 @@
           <a:p>
             <a:fld id="{E2BFE950-A675-4D2F-BC24-F20C16678C63}" type="datetimeFigureOut">
               <a:rPr lang="en-US" smtClean="0"/>
-              <a:t>08-Apr-21</a:t>
+              <a:t>10-Apr-21</a:t>
             </a:fld>
             <a:endParaRPr lang="en-US"/>
           </a:p>
@@ -2211,7 +2211,7 @@
           <a:p>
             <a:fld id="{E2BFE950-A675-4D2F-BC24-F20C16678C63}" type="datetimeFigureOut">
               <a:rPr lang="en-US" smtClean="0"/>
-              <a:t>08-Apr-21</a:t>
+              <a:t>10-Apr-21</a:t>
             </a:fld>
             <a:endParaRPr lang="en-US"/>
           </a:p>
@@ -2385,7 +2385,7 @@
           <a:p>
             <a:fld id="{E2BFE950-A675-4D2F-BC24-F20C16678C63}" type="datetimeFigureOut">
               <a:rPr lang="en-US" smtClean="0"/>
-              <a:t>08-Apr-21</a:t>
+              <a:t>10-Apr-21</a:t>
             </a:fld>
             <a:endParaRPr lang="en-US"/>
           </a:p>
@@ -2548,7 +2548,7 @@
           <a:p>
             <a:fld id="{E2BFE950-A675-4D2F-BC24-F20C16678C63}" type="datetimeFigureOut">
               <a:rPr lang="en-US" smtClean="0"/>
-              <a:t>08-Apr-21</a:t>
+              <a:t>10-Apr-21</a:t>
             </a:fld>
             <a:endParaRPr lang="en-US"/>
           </a:p>
@@ -2721,7 +2721,7 @@
           <a:p>
             <a:fld id="{E2BFE950-A675-4D2F-BC24-F20C16678C63}" type="datetimeFigureOut">
               <a:rPr lang="en-US" smtClean="0"/>
-              <a:t>08-Apr-21</a:t>
+              <a:t>10-Apr-21</a:t>
             </a:fld>
             <a:endParaRPr lang="en-US"/>
           </a:p>
@@ -3010,7 +3010,7 @@
           <a:p>
             <a:fld id="{E2BFE950-A675-4D2F-BC24-F20C16678C63}" type="datetimeFigureOut">
               <a:rPr lang="en-US" smtClean="0"/>
-              <a:t>08-Apr-21</a:t>
+              <a:t>10-Apr-21</a:t>
             </a:fld>
             <a:endParaRPr lang="en-US"/>
           </a:p>
@@ -3334,7 +3334,7 @@
           <a:p>
             <a:fld id="{E2BFE950-A675-4D2F-BC24-F20C16678C63}" type="datetimeFigureOut">
               <a:rPr lang="en-US" smtClean="0"/>
-              <a:t>08-Apr-21</a:t>
+              <a:t>10-Apr-21</a:t>
             </a:fld>
             <a:endParaRPr lang="en-US"/>
           </a:p>
@@ -3758,7 +3758,7 @@
           <a:p>
             <a:fld id="{E2BFE950-A675-4D2F-BC24-F20C16678C63}" type="datetimeFigureOut">
               <a:rPr lang="en-US" smtClean="0"/>
-              <a:t>08-Apr-21</a:t>
+              <a:t>10-Apr-21</a:t>
             </a:fld>
             <a:endParaRPr lang="en-US"/>
           </a:p>
@@ -3931,7 +3931,7 @@
           <a:p>
             <a:fld id="{E2BFE950-A675-4D2F-BC24-F20C16678C63}" type="datetimeFigureOut">
               <a:rPr lang="en-US" smtClean="0"/>
-              <a:t>08-Apr-21</a:t>
+              <a:t>10-Apr-21</a:t>
             </a:fld>
             <a:endParaRPr lang="en-US"/>
           </a:p>
@@ -4021,7 +4021,7 @@
           <a:p>
             <a:fld id="{E2BFE950-A675-4D2F-BC24-F20C16678C63}" type="datetimeFigureOut">
               <a:rPr lang="en-US" smtClean="0"/>
-              <a:t>08-Apr-21</a:t>
+              <a:t>10-Apr-21</a:t>
             </a:fld>
             <a:endParaRPr lang="en-US"/>
           </a:p>
@@ -4300,7 +4300,7 @@
           <a:p>
             <a:fld id="{E2BFE950-A675-4D2F-BC24-F20C16678C63}" type="datetimeFigureOut">
               <a:rPr lang="en-US" smtClean="0"/>
-              <a:t>08-Apr-21</a:t>
+              <a:t>10-Apr-21</a:t>
             </a:fld>
             <a:endParaRPr lang="en-US"/>
           </a:p>
@@ -4547,7 +4547,7 @@
           <a:p>
             <a:fld id="{E2BFE950-A675-4D2F-BC24-F20C16678C63}" type="datetimeFigureOut">
               <a:rPr lang="en-US" smtClean="0"/>
-              <a:t>08-Apr-21</a:t>
+              <a:t>10-Apr-21</a:t>
             </a:fld>
             <a:endParaRPr lang="en-US"/>
           </a:p>
@@ -5133,9 +5133,10 @@
           <a:lstStyle/>
           <a:p>
             <a:r>
-              <a:rPr lang="en-US" dirty="0"/>
-              <a:t>Instructor: Rob Garner</a:t>
-            </a:r>
+              <a:rPr lang="en-US"/>
+              <a:t>Instructor: Rob Garner (rgarner7@cnm.edu)</a:t>
+            </a:r>
+            <a:endParaRPr lang="en-US" dirty="0"/>
           </a:p>
         </p:txBody>
       </p:sp>
